--- a/Final/Final Project_v0.0.1.pptx
+++ b/Final/Final Project_v0.0.1.pptx
@@ -5,7 +5,7 @@
     <p:sldMasterId id="2147483660" r:id="rId1"/>
   </p:sldMasterIdLst>
   <p:notesMasterIdLst>
-    <p:notesMasterId r:id="rId7"/>
+    <p:notesMasterId r:id="rId8"/>
   </p:notesMasterIdLst>
   <p:sldIdLst>
     <p:sldId id="256" r:id="rId2"/>
@@ -13,6 +13,7 @@
     <p:sldId id="283" r:id="rId4"/>
     <p:sldId id="278" r:id="rId5"/>
     <p:sldId id="284" r:id="rId6"/>
+    <p:sldId id="285" r:id="rId7"/>
   </p:sldIdLst>
   <p:sldSz cx="9144000" cy="6858000" type="screen4x3"/>
   <p:notesSz cx="6858000" cy="9144000"/>
@@ -197,7 +198,7 @@
             <a:fld id="{7DC5F341-8573-4288-B472-152DBA7489EE}" type="datetimeFigureOut">
               <a:rPr lang="ko-KR" altLang="en-US" smtClean="0"/>
               <a:pPr/>
-              <a:t>2016-12-07</a:t>
+              <a:t>2016-12-19</a:t>
             </a:fld>
             <a:endParaRPr lang="ko-KR" altLang="en-US"/>
           </a:p>
@@ -464,6 +465,91 @@
     </a:lvl9pPr>
   </p:notesStyle>
 </p:notesMaster>
+</file>
+
+<file path=ppt/notesSlides/notesSlide1.xml><?xml version="1.0" encoding="utf-8"?>
+<p:notes xmlns:a="http://schemas.openxmlformats.org/drawingml/2006/main" xmlns:r="http://schemas.openxmlformats.org/officeDocument/2006/relationships" xmlns:p="http://schemas.openxmlformats.org/presentationml/2006/main">
+  <p:cSld>
+    <p:spTree>
+      <p:nvGrpSpPr>
+        <p:cNvPr id="1" name=""/>
+        <p:cNvGrpSpPr/>
+        <p:nvPr/>
+      </p:nvGrpSpPr>
+      <p:grpSpPr>
+        <a:xfrm>
+          <a:off x="0" y="0"/>
+          <a:ext cx="0" cy="0"/>
+          <a:chOff x="0" y="0"/>
+          <a:chExt cx="0" cy="0"/>
+        </a:xfrm>
+      </p:grpSpPr>
+      <p:sp>
+        <p:nvSpPr>
+          <p:cNvPr id="2" name="슬라이드 이미지 개체 틀 1"/>
+          <p:cNvSpPr>
+            <a:spLocks noGrp="1" noRot="1" noChangeAspect="1"/>
+          </p:cNvSpPr>
+          <p:nvPr>
+            <p:ph type="sldImg"/>
+          </p:nvPr>
+        </p:nvSpPr>
+        <p:spPr/>
+      </p:sp>
+      <p:sp>
+        <p:nvSpPr>
+          <p:cNvPr id="3" name="슬라이드 노트 개체 틀 2"/>
+          <p:cNvSpPr>
+            <a:spLocks noGrp="1"/>
+          </p:cNvSpPr>
+          <p:nvPr>
+            <p:ph type="body" idx="1"/>
+          </p:nvPr>
+        </p:nvSpPr>
+        <p:spPr/>
+        <p:txBody>
+          <a:bodyPr/>
+          <a:lstStyle/>
+          <a:p>
+            <a:endParaRPr lang="ko-KR" altLang="en-US" dirty="0"/>
+          </a:p>
+        </p:txBody>
+      </p:sp>
+      <p:sp>
+        <p:nvSpPr>
+          <p:cNvPr id="4" name="슬라이드 번호 개체 틀 3"/>
+          <p:cNvSpPr>
+            <a:spLocks noGrp="1"/>
+          </p:cNvSpPr>
+          <p:nvPr>
+            <p:ph type="sldNum" sz="quarter" idx="10"/>
+          </p:nvPr>
+        </p:nvSpPr>
+        <p:spPr/>
+        <p:txBody>
+          <a:bodyPr/>
+          <a:lstStyle/>
+          <a:p>
+            <a:fld id="{511244DC-3C3C-480B-871A-9D3A21AEF1FA}" type="slidenum">
+              <a:rPr lang="ko-KR" altLang="en-US" smtClean="0"/>
+              <a:pPr/>
+              <a:t>6</a:t>
+            </a:fld>
+            <a:endParaRPr lang="ko-KR" altLang="en-US"/>
+          </a:p>
+        </p:txBody>
+      </p:sp>
+    </p:spTree>
+    <p:extLst>
+      <p:ext uri="{BB962C8B-B14F-4D97-AF65-F5344CB8AC3E}">
+        <p14:creationId xmlns:p14="http://schemas.microsoft.com/office/powerpoint/2010/main" val="1076318490"/>
+      </p:ext>
+    </p:extLst>
+  </p:cSld>
+  <p:clrMapOvr>
+    <a:masterClrMapping/>
+  </p:clrMapOvr>
+</p:notes>
 </file>
 
 <file path=ppt/slideLayouts/slideLayout1.xml><?xml version="1.0" encoding="utf-8"?>
@@ -2395,7 +2481,7 @@
             <a:fld id="{8F7D61AA-29A0-4C37-B234-B0D2D19F94CD}" type="datetimeFigureOut">
               <a:rPr lang="ko-KR" altLang="en-US" smtClean="0"/>
               <a:pPr/>
-              <a:t>2016-12-07</a:t>
+              <a:t>2016-12-19</a:t>
             </a:fld>
             <a:endParaRPr lang="ko-KR" altLang="en-US"/>
           </a:p>
@@ -5167,20 +5253,7 @@
                 <a:latin typeface="맑은 고딕" pitchFamily="50" charset="-127"/>
                 <a:ea typeface="맑은 고딕" pitchFamily="50" charset="-127"/>
               </a:rPr>
-              <a:t> </a:t>
-            </a:r>
-            <a:r>
-              <a:rPr lang="ko-KR" altLang="en-US" b="1" dirty="0" smtClean="0">
-                <a:solidFill>
-                  <a:schemeClr val="tx1">
-                    <a:lumMod val="75000"/>
-                    <a:lumOff val="25000"/>
-                  </a:schemeClr>
-                </a:solidFill>
-                <a:latin typeface="맑은 고딕" pitchFamily="50" charset="-127"/>
-                <a:ea typeface="맑은 고딕" pitchFamily="50" charset="-127"/>
-              </a:rPr>
-              <a:t>기</a:t>
+              <a:t> 기</a:t>
             </a:r>
             <a:r>
               <a:rPr lang="ko-KR" altLang="en-US" b="1" dirty="0">
@@ -5560,6 +5633,1616 @@
     <p:extLst>
       <p:ext uri="{BB962C8B-B14F-4D97-AF65-F5344CB8AC3E}">
         <p14:creationId xmlns:p14="http://schemas.microsoft.com/office/powerpoint/2010/main" val="142284559"/>
+      </p:ext>
+    </p:extLst>
+  </p:cSld>
+  <p:clrMapOvr>
+    <a:masterClrMapping/>
+  </p:clrMapOvr>
+</p:sld>
+</file>
+
+<file path=ppt/slides/slide6.xml><?xml version="1.0" encoding="utf-8"?>
+<p:sld xmlns:a="http://schemas.openxmlformats.org/drawingml/2006/main" xmlns:r="http://schemas.openxmlformats.org/officeDocument/2006/relationships" xmlns:p="http://schemas.openxmlformats.org/presentationml/2006/main">
+  <p:cSld>
+    <p:spTree>
+      <p:nvGrpSpPr>
+        <p:cNvPr id="1" name=""/>
+        <p:cNvGrpSpPr/>
+        <p:nvPr/>
+      </p:nvGrpSpPr>
+      <p:grpSpPr>
+        <a:xfrm>
+          <a:off x="0" y="0"/>
+          <a:ext cx="0" cy="0"/>
+          <a:chOff x="0" y="0"/>
+          <a:chExt cx="0" cy="0"/>
+        </a:xfrm>
+      </p:grpSpPr>
+      <p:sp>
+        <p:nvSpPr>
+          <p:cNvPr id="2" name="텍스트 개체 틀 1"/>
+          <p:cNvSpPr>
+            <a:spLocks noGrp="1"/>
+          </p:cNvSpPr>
+          <p:nvPr>
+            <p:ph type="body" sz="quarter" idx="10"/>
+          </p:nvPr>
+        </p:nvSpPr>
+        <p:spPr/>
+        <p:txBody>
+          <a:bodyPr/>
+          <a:lstStyle/>
+          <a:p>
+            <a:pPr>
+              <a:buFont typeface="+mj-lt"/>
+              <a:buAutoNum type="arabicPeriod" startAt="3"/>
+            </a:pPr>
+            <a:r>
+              <a:rPr lang="en-US" altLang="ko-KR" dirty="0" smtClean="0"/>
+              <a:t>DB </a:t>
+            </a:r>
+            <a:r>
+              <a:rPr lang="ko-KR" altLang="en-US" dirty="0" smtClean="0"/>
+              <a:t>구성</a:t>
+            </a:r>
+            <a:endParaRPr lang="ko-KR" altLang="en-US" dirty="0"/>
+          </a:p>
+        </p:txBody>
+      </p:sp>
+      <p:graphicFrame>
+        <p:nvGraphicFramePr>
+          <p:cNvPr id="3" name="표 2"/>
+          <p:cNvGraphicFramePr>
+            <a:graphicFrameLocks noGrp="1"/>
+          </p:cNvGraphicFramePr>
+          <p:nvPr>
+            <p:extLst>
+              <p:ext uri="{D42A27DB-BD31-4B8C-83A1-F6EECF244321}">
+                <p14:modId xmlns:p14="http://schemas.microsoft.com/office/powerpoint/2010/main" val="3770439345"/>
+              </p:ext>
+            </p:extLst>
+          </p:nvPr>
+        </p:nvGraphicFramePr>
+        <p:xfrm>
+          <a:off x="1367642" y="1994355"/>
+          <a:ext cx="1440160" cy="1368152"/>
+        </p:xfrm>
+        <a:graphic>
+          <a:graphicData uri="http://schemas.openxmlformats.org/drawingml/2006/table">
+            <a:tbl>
+              <a:tblPr firstRow="1" bandRow="1">
+                <a:tableStyleId>{69012ECD-51FC-41F1-AA8D-1B2483CD663E}</a:tableStyleId>
+              </a:tblPr>
+              <a:tblGrid>
+                <a:gridCol w="1440160"/>
+              </a:tblGrid>
+              <a:tr h="216024">
+                <a:tc>
+                  <a:txBody>
+                    <a:bodyPr/>
+                    <a:lstStyle/>
+                    <a:p>
+                      <a:pPr algn="ctr" latinLnBrk="1"/>
+                      <a:r>
+                        <a:rPr lang="en-US" altLang="ko-KR" sz="1200" dirty="0" smtClean="0"/>
+                        <a:t>Member</a:t>
+                      </a:r>
+                      <a:endParaRPr lang="ko-KR" altLang="en-US" sz="1200" dirty="0"/>
+                    </a:p>
+                  </a:txBody>
+                  <a:tcPr/>
+                </a:tc>
+              </a:tr>
+              <a:tr h="229736">
+                <a:tc>
+                  <a:txBody>
+                    <a:bodyPr/>
+                    <a:lstStyle/>
+                    <a:p>
+                      <a:pPr algn="just" latinLnBrk="1">
+                        <a:lnSpc>
+                          <a:spcPct val="115000"/>
+                        </a:lnSpc>
+                        <a:spcAft>
+                          <a:spcPts val="0"/>
+                        </a:spcAft>
+                      </a:pPr>
+                      <a:r>
+                        <a:rPr lang="en-US" altLang="ko-KR" sz="1000" kern="100" baseline="0" dirty="0" smtClean="0">
+                          <a:effectLst/>
+                          <a:latin typeface="+mn-lt"/>
+                          <a:ea typeface="+mn-ea"/>
+                          <a:cs typeface="+mn-cs"/>
+                        </a:rPr>
+                        <a:t>USER_NO</a:t>
+                      </a:r>
+                      <a:endParaRPr lang="ko-KR" sz="1000" kern="100" dirty="0">
+                        <a:effectLst/>
+                        <a:latin typeface="맑은 고딕"/>
+                        <a:ea typeface="맑은 고딕"/>
+                        <a:cs typeface="Times New Roman"/>
+                      </a:endParaRPr>
+                    </a:p>
+                  </a:txBody>
+                  <a:tcPr marL="68580" marR="68580" marT="0" marB="0">
+                    <a:solidFill>
+                      <a:srgbClr val="FFC000"/>
+                    </a:solidFill>
+                  </a:tcPr>
+                </a:tc>
+              </a:tr>
+              <a:tr h="216024">
+                <a:tc>
+                  <a:txBody>
+                    <a:bodyPr/>
+                    <a:lstStyle/>
+                    <a:p>
+                      <a:pPr algn="just" latinLnBrk="1">
+                        <a:lnSpc>
+                          <a:spcPct val="115000"/>
+                        </a:lnSpc>
+                        <a:spcAft>
+                          <a:spcPts val="0"/>
+                        </a:spcAft>
+                      </a:pPr>
+                      <a:r>
+                        <a:rPr lang="en-US" altLang="ko-KR" sz="1000" kern="100" baseline="0" dirty="0" smtClean="0">
+                          <a:effectLst/>
+                          <a:latin typeface="+mn-lt"/>
+                          <a:ea typeface="+mn-ea"/>
+                          <a:cs typeface="+mn-cs"/>
+                        </a:rPr>
+                        <a:t>ID</a:t>
+                      </a:r>
+                      <a:endParaRPr lang="ko-KR" sz="1000" kern="100" dirty="0">
+                        <a:effectLst/>
+                        <a:latin typeface="맑은 고딕"/>
+                        <a:ea typeface="맑은 고딕"/>
+                        <a:cs typeface="Times New Roman"/>
+                      </a:endParaRPr>
+                    </a:p>
+                  </a:txBody>
+                  <a:tcPr marL="68580" marR="68580" marT="0" marB="0"/>
+                </a:tc>
+              </a:tr>
+              <a:tr h="216024">
+                <a:tc>
+                  <a:txBody>
+                    <a:bodyPr/>
+                    <a:lstStyle/>
+                    <a:p>
+                      <a:pPr algn="just" latinLnBrk="1">
+                        <a:lnSpc>
+                          <a:spcPct val="115000"/>
+                        </a:lnSpc>
+                        <a:spcAft>
+                          <a:spcPts val="0"/>
+                        </a:spcAft>
+                      </a:pPr>
+                      <a:r>
+                        <a:rPr lang="en-US" sz="1000" kern="100" dirty="0" smtClean="0">
+                          <a:effectLst/>
+                        </a:rPr>
+                        <a:t>PW</a:t>
+                      </a:r>
+                      <a:endParaRPr lang="ko-KR" sz="1000" kern="100" dirty="0">
+                        <a:effectLst/>
+                        <a:latin typeface="맑은 고딕"/>
+                        <a:ea typeface="맑은 고딕"/>
+                        <a:cs typeface="Times New Roman"/>
+                      </a:endParaRPr>
+                    </a:p>
+                  </a:txBody>
+                  <a:tcPr marL="68580" marR="68580" marT="0" marB="0"/>
+                </a:tc>
+              </a:tr>
+              <a:tr h="216024">
+                <a:tc>
+                  <a:txBody>
+                    <a:bodyPr/>
+                    <a:lstStyle/>
+                    <a:p>
+                      <a:pPr algn="just" latinLnBrk="1">
+                        <a:lnSpc>
+                          <a:spcPct val="115000"/>
+                        </a:lnSpc>
+                        <a:spcAft>
+                          <a:spcPts val="0"/>
+                        </a:spcAft>
+                      </a:pPr>
+                      <a:r>
+                        <a:rPr lang="en-US" sz="1000" kern="100" dirty="0" smtClean="0">
+                          <a:effectLst/>
+                        </a:rPr>
+                        <a:t>LOGIN_DATE</a:t>
+                      </a:r>
+                      <a:endParaRPr lang="ko-KR" sz="1000" kern="100" dirty="0">
+                        <a:effectLst/>
+                        <a:latin typeface="맑은 고딕"/>
+                        <a:ea typeface="맑은 고딕"/>
+                        <a:cs typeface="Times New Roman"/>
+                      </a:endParaRPr>
+                    </a:p>
+                  </a:txBody>
+                  <a:tcPr marL="68580" marR="68580" marT="0" marB="0"/>
+                </a:tc>
+              </a:tr>
+              <a:tr h="216024">
+                <a:tc>
+                  <a:txBody>
+                    <a:bodyPr/>
+                    <a:lstStyle/>
+                    <a:p>
+                      <a:pPr algn="just" latinLnBrk="1">
+                        <a:lnSpc>
+                          <a:spcPct val="115000"/>
+                        </a:lnSpc>
+                        <a:spcAft>
+                          <a:spcPts val="0"/>
+                        </a:spcAft>
+                      </a:pPr>
+                      <a:r>
+                        <a:rPr lang="en-US" altLang="ko-KR" sz="1000" kern="100" dirty="0" smtClean="0">
+                          <a:effectLst/>
+                          <a:latin typeface="+mn-lt"/>
+                          <a:ea typeface="+mn-ea"/>
+                          <a:cs typeface="Times New Roman"/>
+                        </a:rPr>
+                        <a:t>RESIGN</a:t>
+                      </a:r>
+                      <a:endParaRPr lang="ko-KR" sz="1000" kern="100" dirty="0">
+                        <a:effectLst/>
+                        <a:latin typeface="맑은 고딕"/>
+                        <a:ea typeface="맑은 고딕"/>
+                        <a:cs typeface="Times New Roman"/>
+                      </a:endParaRPr>
+                    </a:p>
+                  </a:txBody>
+                  <a:tcPr marL="68580" marR="68580" marT="0" marB="0"/>
+                </a:tc>
+              </a:tr>
+            </a:tbl>
+          </a:graphicData>
+        </a:graphic>
+      </p:graphicFrame>
+      <p:graphicFrame>
+        <p:nvGraphicFramePr>
+          <p:cNvPr id="4" name="표 3"/>
+          <p:cNvGraphicFramePr>
+            <a:graphicFrameLocks noGrp="1"/>
+          </p:cNvGraphicFramePr>
+          <p:nvPr>
+            <p:extLst>
+              <p:ext uri="{D42A27DB-BD31-4B8C-83A1-F6EECF244321}">
+                <p14:modId xmlns:p14="http://schemas.microsoft.com/office/powerpoint/2010/main" val="3688218471"/>
+              </p:ext>
+            </p:extLst>
+          </p:nvPr>
+        </p:nvGraphicFramePr>
+        <p:xfrm>
+          <a:off x="3599890" y="2012076"/>
+          <a:ext cx="1440160" cy="1584176"/>
+        </p:xfrm>
+        <a:graphic>
+          <a:graphicData uri="http://schemas.openxmlformats.org/drawingml/2006/table">
+            <a:tbl>
+              <a:tblPr firstRow="1" bandRow="1">
+                <a:tableStyleId>{69012ECD-51FC-41F1-AA8D-1B2483CD663E}</a:tableStyleId>
+              </a:tblPr>
+              <a:tblGrid>
+                <a:gridCol w="1440160"/>
+              </a:tblGrid>
+              <a:tr h="216024">
+                <a:tc>
+                  <a:txBody>
+                    <a:bodyPr/>
+                    <a:lstStyle/>
+                    <a:p>
+                      <a:pPr algn="ctr" latinLnBrk="1"/>
+                      <a:r>
+                        <a:rPr lang="en-US" altLang="ko-KR" sz="1200" dirty="0" smtClean="0"/>
+                        <a:t>Income</a:t>
+                      </a:r>
+                      <a:endParaRPr lang="ko-KR" altLang="en-US" sz="1200" dirty="0"/>
+                    </a:p>
+                  </a:txBody>
+                  <a:tcPr/>
+                </a:tc>
+              </a:tr>
+              <a:tr h="229736">
+                <a:tc>
+                  <a:txBody>
+                    <a:bodyPr/>
+                    <a:lstStyle/>
+                    <a:p>
+                      <a:pPr algn="just" latinLnBrk="1">
+                        <a:lnSpc>
+                          <a:spcPct val="115000"/>
+                        </a:lnSpc>
+                        <a:spcAft>
+                          <a:spcPts val="0"/>
+                        </a:spcAft>
+                      </a:pPr>
+                      <a:r>
+                        <a:rPr lang="en-US" altLang="ko-KR" sz="1000" kern="100" baseline="0" dirty="0" smtClean="0">
+                          <a:effectLst/>
+                          <a:latin typeface="+mn-lt"/>
+                          <a:ea typeface="+mn-ea"/>
+                          <a:cs typeface="+mn-cs"/>
+                        </a:rPr>
+                        <a:t>USER_NO</a:t>
+                      </a:r>
+                      <a:endParaRPr lang="ko-KR" altLang="ko-KR" sz="1000" kern="100" dirty="0">
+                        <a:effectLst/>
+                        <a:latin typeface="+mn-lt"/>
+                        <a:ea typeface="+mn-ea"/>
+                        <a:cs typeface="Times New Roman"/>
+                      </a:endParaRPr>
+                    </a:p>
+                  </a:txBody>
+                  <a:tcPr marL="68580" marR="68580" marT="0" marB="0">
+                    <a:solidFill>
+                      <a:srgbClr val="FFC000"/>
+                    </a:solidFill>
+                  </a:tcPr>
+                </a:tc>
+              </a:tr>
+              <a:tr h="216024">
+                <a:tc>
+                  <a:txBody>
+                    <a:bodyPr/>
+                    <a:lstStyle/>
+                    <a:p>
+                      <a:pPr algn="just" latinLnBrk="1">
+                        <a:lnSpc>
+                          <a:spcPct val="115000"/>
+                        </a:lnSpc>
+                        <a:spcAft>
+                          <a:spcPts val="0"/>
+                        </a:spcAft>
+                      </a:pPr>
+                      <a:r>
+                        <a:rPr lang="en-US" altLang="ko-KR" sz="1000" kern="100" baseline="0" dirty="0" smtClean="0">
+                          <a:effectLst/>
+                          <a:latin typeface="+mn-lt"/>
+                          <a:ea typeface="+mn-ea"/>
+                          <a:cs typeface="+mn-cs"/>
+                        </a:rPr>
+                        <a:t>ITEMS</a:t>
+                      </a:r>
+                      <a:endParaRPr lang="ko-KR" sz="1000" kern="100" dirty="0">
+                        <a:effectLst/>
+                        <a:latin typeface="맑은 고딕"/>
+                        <a:ea typeface="맑은 고딕"/>
+                        <a:cs typeface="Times New Roman"/>
+                      </a:endParaRPr>
+                    </a:p>
+                  </a:txBody>
+                  <a:tcPr marL="68580" marR="68580" marT="0" marB="0"/>
+                </a:tc>
+              </a:tr>
+              <a:tr h="216024">
+                <a:tc>
+                  <a:txBody>
+                    <a:bodyPr/>
+                    <a:lstStyle/>
+                    <a:p>
+                      <a:pPr algn="just" latinLnBrk="1">
+                        <a:lnSpc>
+                          <a:spcPct val="115000"/>
+                        </a:lnSpc>
+                        <a:spcAft>
+                          <a:spcPts val="0"/>
+                        </a:spcAft>
+                      </a:pPr>
+                      <a:r>
+                        <a:rPr lang="en-US" altLang="ko-KR" sz="1000" kern="100" dirty="0" smtClean="0">
+                          <a:effectLst/>
+                          <a:latin typeface="맑은 고딕"/>
+                          <a:ea typeface="맑은 고딕"/>
+                          <a:cs typeface="Times New Roman"/>
+                        </a:rPr>
+                        <a:t>AMOUNTS</a:t>
+                      </a:r>
+                      <a:endParaRPr lang="ko-KR" sz="1000" kern="100" dirty="0">
+                        <a:effectLst/>
+                        <a:latin typeface="맑은 고딕"/>
+                        <a:ea typeface="맑은 고딕"/>
+                        <a:cs typeface="Times New Roman"/>
+                      </a:endParaRPr>
+                    </a:p>
+                  </a:txBody>
+                  <a:tcPr marL="68580" marR="68580" marT="0" marB="0"/>
+                </a:tc>
+              </a:tr>
+              <a:tr h="216024">
+                <a:tc>
+                  <a:txBody>
+                    <a:bodyPr/>
+                    <a:lstStyle/>
+                    <a:p>
+                      <a:pPr algn="just" latinLnBrk="1">
+                        <a:lnSpc>
+                          <a:spcPct val="115000"/>
+                        </a:lnSpc>
+                        <a:spcAft>
+                          <a:spcPts val="0"/>
+                        </a:spcAft>
+                      </a:pPr>
+                      <a:r>
+                        <a:rPr lang="en-US" altLang="ko-KR" sz="1000" kern="100" dirty="0" smtClean="0">
+                          <a:effectLst/>
+                          <a:latin typeface="맑은 고딕"/>
+                          <a:ea typeface="맑은 고딕"/>
+                          <a:cs typeface="Times New Roman"/>
+                        </a:rPr>
+                        <a:t>MEMO</a:t>
+                      </a:r>
+                      <a:endParaRPr lang="ko-KR" sz="1000" kern="100" dirty="0">
+                        <a:effectLst/>
+                        <a:latin typeface="맑은 고딕"/>
+                        <a:ea typeface="맑은 고딕"/>
+                        <a:cs typeface="Times New Roman"/>
+                      </a:endParaRPr>
+                    </a:p>
+                  </a:txBody>
+                  <a:tcPr marL="68580" marR="68580" marT="0" marB="0">
+                    <a:solidFill>
+                      <a:schemeClr val="bg1"/>
+                    </a:solidFill>
+                  </a:tcPr>
+                </a:tc>
+              </a:tr>
+              <a:tr h="216024">
+                <a:tc>
+                  <a:txBody>
+                    <a:bodyPr/>
+                    <a:lstStyle/>
+                    <a:p>
+                      <a:pPr marL="0" marR="0" indent="0" algn="just" defTabSz="914400" rtl="0" eaLnBrk="1" fontAlgn="auto" latinLnBrk="1" hangingPunct="1">
+                        <a:lnSpc>
+                          <a:spcPct val="115000"/>
+                        </a:lnSpc>
+                        <a:spcBef>
+                          <a:spcPts val="0"/>
+                        </a:spcBef>
+                        <a:spcAft>
+                          <a:spcPts val="0"/>
+                        </a:spcAft>
+                        <a:buClrTx/>
+                        <a:buSzTx/>
+                        <a:buFontTx/>
+                        <a:buNone/>
+                        <a:tabLst/>
+                        <a:defRPr/>
+                      </a:pPr>
+                      <a:r>
+                        <a:rPr lang="en-US" altLang="ko-KR" sz="1000" kern="100" dirty="0" smtClean="0">
+                          <a:solidFill>
+                            <a:srgbClr val="000000"/>
+                          </a:solidFill>
+                          <a:cs typeface="Times New Roman"/>
+                        </a:rPr>
+                        <a:t>DATE</a:t>
+                      </a:r>
+                      <a:endParaRPr lang="ko-KR" altLang="ko-KR" sz="1000" kern="100" dirty="0">
+                        <a:effectLst/>
+                        <a:latin typeface="+mn-lt"/>
+                        <a:ea typeface="+mn-ea"/>
+                        <a:cs typeface="Times New Roman"/>
+                      </a:endParaRPr>
+                    </a:p>
+                  </a:txBody>
+                  <a:tcPr marL="68580" marR="68580" marT="0" marB="0">
+                    <a:solidFill>
+                      <a:schemeClr val="bg1"/>
+                    </a:solidFill>
+                  </a:tcPr>
+                </a:tc>
+              </a:tr>
+              <a:tr h="216024">
+                <a:tc>
+                  <a:txBody>
+                    <a:bodyPr/>
+                    <a:lstStyle/>
+                    <a:p>
+                      <a:pPr marL="0" marR="0" indent="0" algn="just" defTabSz="914400" rtl="0" eaLnBrk="1" fontAlgn="auto" latinLnBrk="1" hangingPunct="1">
+                        <a:lnSpc>
+                          <a:spcPct val="115000"/>
+                        </a:lnSpc>
+                        <a:spcBef>
+                          <a:spcPts val="0"/>
+                        </a:spcBef>
+                        <a:spcAft>
+                          <a:spcPts val="0"/>
+                        </a:spcAft>
+                        <a:buClrTx/>
+                        <a:buSzTx/>
+                        <a:buFontTx/>
+                        <a:buNone/>
+                        <a:tabLst/>
+                        <a:defRPr/>
+                      </a:pPr>
+                      <a:r>
+                        <a:rPr lang="en-US" altLang="ko-KR" sz="1000" kern="100" dirty="0" smtClean="0">
+                          <a:effectLst/>
+                          <a:latin typeface="+mn-lt"/>
+                          <a:ea typeface="+mn-ea"/>
+                          <a:cs typeface="Times New Roman"/>
+                        </a:rPr>
+                        <a:t>ASSETS</a:t>
+                      </a:r>
+                      <a:endParaRPr lang="ko-KR" altLang="ko-KR" sz="1000" kern="100" dirty="0">
+                        <a:effectLst/>
+                        <a:latin typeface="+mn-lt"/>
+                        <a:ea typeface="+mn-ea"/>
+                        <a:cs typeface="Times New Roman"/>
+                      </a:endParaRPr>
+                    </a:p>
+                  </a:txBody>
+                  <a:tcPr marL="68580" marR="68580" marT="0" marB="0">
+                    <a:solidFill>
+                      <a:schemeClr val="bg1"/>
+                    </a:solidFill>
+                  </a:tcPr>
+                </a:tc>
+              </a:tr>
+            </a:tbl>
+          </a:graphicData>
+        </a:graphic>
+      </p:graphicFrame>
+      <p:cxnSp>
+        <p:nvCxnSpPr>
+          <p:cNvPr id="5" name="꺾인 연결선 4"/>
+          <p:cNvCxnSpPr/>
+          <p:nvPr/>
+        </p:nvCxnSpPr>
+        <p:spPr>
+          <a:xfrm flipV="1">
+            <a:off x="2798913" y="2359572"/>
+            <a:ext cx="800977" cy="1"/>
+          </a:xfrm>
+          <a:prstGeom prst="bentConnector3">
+            <a:avLst>
+              <a:gd name="adj1" fmla="val 50000"/>
+            </a:avLst>
+          </a:prstGeom>
+          <a:ln w="28575">
+            <a:solidFill>
+              <a:srgbClr val="FF0000"/>
+            </a:solidFill>
+          </a:ln>
+        </p:spPr>
+        <p:style>
+          <a:lnRef idx="1">
+            <a:schemeClr val="accent1"/>
+          </a:lnRef>
+          <a:fillRef idx="0">
+            <a:schemeClr val="accent1"/>
+          </a:fillRef>
+          <a:effectRef idx="0">
+            <a:schemeClr val="accent1"/>
+          </a:effectRef>
+          <a:fontRef idx="minor">
+            <a:schemeClr val="tx1"/>
+          </a:fontRef>
+        </p:style>
+      </p:cxnSp>
+      <p:sp>
+        <p:nvSpPr>
+          <p:cNvPr id="6" name="TextBox 5"/>
+          <p:cNvSpPr txBox="1"/>
+          <p:nvPr/>
+        </p:nvSpPr>
+        <p:spPr>
+          <a:xfrm>
+            <a:off x="2807802" y="2082573"/>
+            <a:ext cx="288032" cy="276999"/>
+          </a:xfrm>
+          <a:prstGeom prst="rect">
+            <a:avLst/>
+          </a:prstGeom>
+          <a:noFill/>
+        </p:spPr>
+        <p:txBody>
+          <a:bodyPr wrap="square" rtlCol="0">
+            <a:spAutoFit/>
+          </a:bodyPr>
+          <a:lstStyle/>
+          <a:p>
+            <a:r>
+              <a:rPr lang="en-US" altLang="ko-KR" sz="1200" dirty="0" smtClean="0"/>
+              <a:t>1</a:t>
+            </a:r>
+            <a:endParaRPr lang="ko-KR" altLang="en-US" sz="1200" dirty="0"/>
+          </a:p>
+        </p:txBody>
+      </p:sp>
+      <p:sp>
+        <p:nvSpPr>
+          <p:cNvPr id="7" name="TextBox 6"/>
+          <p:cNvSpPr txBox="1"/>
+          <p:nvPr/>
+        </p:nvSpPr>
+        <p:spPr>
+          <a:xfrm>
+            <a:off x="3311860" y="2089261"/>
+            <a:ext cx="288032" cy="276999"/>
+          </a:xfrm>
+          <a:prstGeom prst="rect">
+            <a:avLst/>
+          </a:prstGeom>
+          <a:noFill/>
+        </p:spPr>
+        <p:txBody>
+          <a:bodyPr wrap="square" rtlCol="0">
+            <a:spAutoFit/>
+          </a:bodyPr>
+          <a:lstStyle/>
+          <a:p>
+            <a:r>
+              <a:rPr lang="en-US" altLang="ko-KR" sz="1200" dirty="0" smtClean="0"/>
+              <a:t>1</a:t>
+            </a:r>
+            <a:endParaRPr lang="ko-KR" altLang="en-US" sz="1200" dirty="0"/>
+          </a:p>
+        </p:txBody>
+      </p:sp>
+      <p:graphicFrame>
+        <p:nvGraphicFramePr>
+          <p:cNvPr id="8" name="표 7"/>
+          <p:cNvGraphicFramePr>
+            <a:graphicFrameLocks noGrp="1"/>
+          </p:cNvGraphicFramePr>
+          <p:nvPr>
+            <p:extLst>
+              <p:ext uri="{D42A27DB-BD31-4B8C-83A1-F6EECF244321}">
+                <p14:modId xmlns:p14="http://schemas.microsoft.com/office/powerpoint/2010/main" val="4184773602"/>
+              </p:ext>
+            </p:extLst>
+          </p:nvPr>
+        </p:nvGraphicFramePr>
+        <p:xfrm>
+          <a:off x="2735796" y="3861048"/>
+          <a:ext cx="1440160" cy="1584176"/>
+        </p:xfrm>
+        <a:graphic>
+          <a:graphicData uri="http://schemas.openxmlformats.org/drawingml/2006/table">
+            <a:tbl>
+              <a:tblPr firstRow="1" bandRow="1">
+                <a:tableStyleId>{69012ECD-51FC-41F1-AA8D-1B2483CD663E}</a:tableStyleId>
+              </a:tblPr>
+              <a:tblGrid>
+                <a:gridCol w="1440160"/>
+              </a:tblGrid>
+              <a:tr h="216024">
+                <a:tc>
+                  <a:txBody>
+                    <a:bodyPr/>
+                    <a:lstStyle/>
+                    <a:p>
+                      <a:pPr algn="ctr" latinLnBrk="1"/>
+                      <a:r>
+                        <a:rPr lang="en-US" altLang="ko-KR" sz="1200" dirty="0" smtClean="0"/>
+                        <a:t>Expenses</a:t>
+                      </a:r>
+                      <a:endParaRPr lang="ko-KR" altLang="en-US" sz="1200" dirty="0"/>
+                    </a:p>
+                  </a:txBody>
+                  <a:tcPr/>
+                </a:tc>
+              </a:tr>
+              <a:tr h="229736">
+                <a:tc>
+                  <a:txBody>
+                    <a:bodyPr/>
+                    <a:lstStyle/>
+                    <a:p>
+                      <a:pPr algn="just" latinLnBrk="1">
+                        <a:lnSpc>
+                          <a:spcPct val="115000"/>
+                        </a:lnSpc>
+                        <a:spcAft>
+                          <a:spcPts val="0"/>
+                        </a:spcAft>
+                      </a:pPr>
+                      <a:r>
+                        <a:rPr lang="en-US" altLang="ko-KR" sz="1000" kern="100" baseline="0" dirty="0" smtClean="0">
+                          <a:effectLst/>
+                          <a:latin typeface="+mn-lt"/>
+                          <a:ea typeface="+mn-ea"/>
+                          <a:cs typeface="+mn-cs"/>
+                        </a:rPr>
+                        <a:t>USER_NO</a:t>
+                      </a:r>
+                      <a:endParaRPr lang="ko-KR" altLang="ko-KR" sz="1000" kern="100" dirty="0">
+                        <a:effectLst/>
+                        <a:latin typeface="+mn-lt"/>
+                        <a:ea typeface="+mn-ea"/>
+                        <a:cs typeface="Times New Roman"/>
+                      </a:endParaRPr>
+                    </a:p>
+                  </a:txBody>
+                  <a:tcPr marL="68580" marR="68580" marT="0" marB="0">
+                    <a:solidFill>
+                      <a:srgbClr val="FFC000"/>
+                    </a:solidFill>
+                  </a:tcPr>
+                </a:tc>
+              </a:tr>
+              <a:tr h="216024">
+                <a:tc>
+                  <a:txBody>
+                    <a:bodyPr/>
+                    <a:lstStyle/>
+                    <a:p>
+                      <a:pPr algn="just" latinLnBrk="1">
+                        <a:lnSpc>
+                          <a:spcPct val="115000"/>
+                        </a:lnSpc>
+                        <a:spcAft>
+                          <a:spcPts val="0"/>
+                        </a:spcAft>
+                      </a:pPr>
+                      <a:r>
+                        <a:rPr lang="en-US" altLang="ko-KR" sz="1000" kern="100" baseline="0" dirty="0" smtClean="0">
+                          <a:effectLst/>
+                          <a:latin typeface="+mn-lt"/>
+                          <a:ea typeface="+mn-ea"/>
+                          <a:cs typeface="+mn-cs"/>
+                        </a:rPr>
+                        <a:t>ITEMS</a:t>
+                      </a:r>
+                      <a:endParaRPr lang="ko-KR" sz="1000" kern="100" dirty="0">
+                        <a:effectLst/>
+                        <a:latin typeface="맑은 고딕"/>
+                        <a:ea typeface="맑은 고딕"/>
+                        <a:cs typeface="Times New Roman"/>
+                      </a:endParaRPr>
+                    </a:p>
+                  </a:txBody>
+                  <a:tcPr marL="68580" marR="68580" marT="0" marB="0"/>
+                </a:tc>
+              </a:tr>
+              <a:tr h="216024">
+                <a:tc>
+                  <a:txBody>
+                    <a:bodyPr/>
+                    <a:lstStyle/>
+                    <a:p>
+                      <a:pPr algn="just" latinLnBrk="1">
+                        <a:lnSpc>
+                          <a:spcPct val="115000"/>
+                        </a:lnSpc>
+                        <a:spcAft>
+                          <a:spcPts val="0"/>
+                        </a:spcAft>
+                      </a:pPr>
+                      <a:r>
+                        <a:rPr lang="en-US" altLang="ko-KR" sz="1000" kern="100" dirty="0" smtClean="0">
+                          <a:effectLst/>
+                          <a:latin typeface="맑은 고딕"/>
+                          <a:ea typeface="맑은 고딕"/>
+                          <a:cs typeface="Times New Roman"/>
+                        </a:rPr>
+                        <a:t>AMOUNTS</a:t>
+                      </a:r>
+                      <a:endParaRPr lang="ko-KR" sz="1000" kern="100" dirty="0">
+                        <a:effectLst/>
+                        <a:latin typeface="맑은 고딕"/>
+                        <a:ea typeface="맑은 고딕"/>
+                        <a:cs typeface="Times New Roman"/>
+                      </a:endParaRPr>
+                    </a:p>
+                  </a:txBody>
+                  <a:tcPr marL="68580" marR="68580" marT="0" marB="0"/>
+                </a:tc>
+              </a:tr>
+              <a:tr h="216024">
+                <a:tc>
+                  <a:txBody>
+                    <a:bodyPr/>
+                    <a:lstStyle/>
+                    <a:p>
+                      <a:pPr marL="0" algn="just" defTabSz="914400" rtl="0" eaLnBrk="1" latinLnBrk="1" hangingPunct="1">
+                        <a:lnSpc>
+                          <a:spcPct val="115000"/>
+                        </a:lnSpc>
+                        <a:spcAft>
+                          <a:spcPts val="0"/>
+                        </a:spcAft>
+                      </a:pPr>
+                      <a:r>
+                        <a:rPr lang="en-US" altLang="ko-KR" sz="1000" kern="100" dirty="0" smtClean="0">
+                          <a:solidFill>
+                            <a:schemeClr val="tx1"/>
+                          </a:solidFill>
+                          <a:effectLst/>
+                          <a:latin typeface="맑은 고딕"/>
+                          <a:ea typeface="맑은 고딕"/>
+                          <a:cs typeface="Times New Roman"/>
+                        </a:rPr>
+                        <a:t>MEMO</a:t>
+                      </a:r>
+                      <a:endParaRPr lang="ko-KR" sz="1000" kern="100" dirty="0">
+                        <a:solidFill>
+                          <a:schemeClr val="tx1"/>
+                        </a:solidFill>
+                        <a:effectLst/>
+                        <a:latin typeface="맑은 고딕"/>
+                        <a:ea typeface="맑은 고딕"/>
+                        <a:cs typeface="Times New Roman"/>
+                      </a:endParaRPr>
+                    </a:p>
+                  </a:txBody>
+                  <a:tcPr marL="68580" marR="68580" marT="0" marB="0">
+                    <a:solidFill>
+                      <a:schemeClr val="bg1"/>
+                    </a:solidFill>
+                  </a:tcPr>
+                </a:tc>
+              </a:tr>
+              <a:tr h="216024">
+                <a:tc>
+                  <a:txBody>
+                    <a:bodyPr/>
+                    <a:lstStyle/>
+                    <a:p>
+                      <a:pPr marL="0" marR="0" indent="0" algn="just" defTabSz="914400" rtl="0" eaLnBrk="1" fontAlgn="auto" latinLnBrk="1" hangingPunct="1">
+                        <a:lnSpc>
+                          <a:spcPct val="115000"/>
+                        </a:lnSpc>
+                        <a:spcBef>
+                          <a:spcPts val="0"/>
+                        </a:spcBef>
+                        <a:spcAft>
+                          <a:spcPts val="0"/>
+                        </a:spcAft>
+                        <a:buClrTx/>
+                        <a:buSzTx/>
+                        <a:buFontTx/>
+                        <a:buNone/>
+                        <a:tabLst/>
+                        <a:defRPr/>
+                      </a:pPr>
+                      <a:r>
+                        <a:rPr lang="en-US" altLang="ko-KR" sz="1000" kern="100" dirty="0" smtClean="0">
+                          <a:solidFill>
+                            <a:schemeClr val="tx1"/>
+                          </a:solidFill>
+                          <a:effectLst/>
+                          <a:latin typeface="맑은 고딕"/>
+                          <a:ea typeface="맑은 고딕"/>
+                          <a:cs typeface="Times New Roman"/>
+                        </a:rPr>
+                        <a:t>DATE</a:t>
+                      </a:r>
+                      <a:endParaRPr lang="ko-KR" altLang="ko-KR" sz="1000" kern="100" dirty="0">
+                        <a:solidFill>
+                          <a:schemeClr val="tx1"/>
+                        </a:solidFill>
+                        <a:effectLst/>
+                        <a:latin typeface="맑은 고딕"/>
+                        <a:ea typeface="맑은 고딕"/>
+                        <a:cs typeface="Times New Roman"/>
+                      </a:endParaRPr>
+                    </a:p>
+                  </a:txBody>
+                  <a:tcPr marL="68580" marR="68580" marT="0" marB="0">
+                    <a:solidFill>
+                      <a:schemeClr val="bg1"/>
+                    </a:solidFill>
+                  </a:tcPr>
+                </a:tc>
+              </a:tr>
+              <a:tr h="216024">
+                <a:tc>
+                  <a:txBody>
+                    <a:bodyPr/>
+                    <a:lstStyle/>
+                    <a:p>
+                      <a:pPr marL="0" marR="0" indent="0" algn="just" defTabSz="914400" rtl="0" eaLnBrk="1" fontAlgn="auto" latinLnBrk="1" hangingPunct="1">
+                        <a:lnSpc>
+                          <a:spcPct val="115000"/>
+                        </a:lnSpc>
+                        <a:spcBef>
+                          <a:spcPts val="0"/>
+                        </a:spcBef>
+                        <a:spcAft>
+                          <a:spcPts val="0"/>
+                        </a:spcAft>
+                        <a:buClrTx/>
+                        <a:buSzTx/>
+                        <a:buFontTx/>
+                        <a:buNone/>
+                        <a:tabLst/>
+                        <a:defRPr/>
+                      </a:pPr>
+                      <a:r>
+                        <a:rPr lang="en-US" altLang="ko-KR" sz="1000" kern="100" dirty="0" smtClean="0">
+                          <a:solidFill>
+                            <a:schemeClr val="tx1"/>
+                          </a:solidFill>
+                          <a:effectLst/>
+                          <a:latin typeface="맑은 고딕"/>
+                          <a:ea typeface="맑은 고딕"/>
+                          <a:cs typeface="Times New Roman"/>
+                        </a:rPr>
+                        <a:t>ASSETS</a:t>
+                      </a:r>
+                      <a:endParaRPr lang="ko-KR" altLang="ko-KR" sz="1000" kern="100" dirty="0">
+                        <a:solidFill>
+                          <a:schemeClr val="tx1"/>
+                        </a:solidFill>
+                        <a:effectLst/>
+                        <a:latin typeface="맑은 고딕"/>
+                        <a:ea typeface="맑은 고딕"/>
+                        <a:cs typeface="Times New Roman"/>
+                      </a:endParaRPr>
+                    </a:p>
+                  </a:txBody>
+                  <a:tcPr marL="68580" marR="68580" marT="0" marB="0">
+                    <a:solidFill>
+                      <a:srgbClr val="FFFF00"/>
+                    </a:solidFill>
+                  </a:tcPr>
+                </a:tc>
+              </a:tr>
+            </a:tbl>
+          </a:graphicData>
+        </a:graphic>
+      </p:graphicFrame>
+      <p:cxnSp>
+        <p:nvCxnSpPr>
+          <p:cNvPr id="9" name="꺾인 연결선 8"/>
+          <p:cNvCxnSpPr/>
+          <p:nvPr/>
+        </p:nvCxnSpPr>
+        <p:spPr>
+          <a:xfrm rot="16200000" flipV="1">
+            <a:off x="2311881" y="2922325"/>
+            <a:ext cx="1434644" cy="442802"/>
+          </a:xfrm>
+          <a:prstGeom prst="bentConnector2">
+            <a:avLst/>
+          </a:prstGeom>
+          <a:ln w="28575">
+            <a:solidFill>
+              <a:srgbClr val="FF0000"/>
+            </a:solidFill>
+          </a:ln>
+        </p:spPr>
+        <p:style>
+          <a:lnRef idx="1">
+            <a:schemeClr val="accent1"/>
+          </a:lnRef>
+          <a:fillRef idx="0">
+            <a:schemeClr val="accent1"/>
+          </a:fillRef>
+          <a:effectRef idx="0">
+            <a:schemeClr val="accent1"/>
+          </a:effectRef>
+          <a:fontRef idx="minor">
+            <a:schemeClr val="tx1"/>
+          </a:fontRef>
+        </p:style>
+      </p:cxnSp>
+      <p:sp>
+        <p:nvSpPr>
+          <p:cNvPr id="14" name="TextBox 13"/>
+          <p:cNvSpPr txBox="1"/>
+          <p:nvPr/>
+        </p:nvSpPr>
+        <p:spPr>
+          <a:xfrm>
+            <a:off x="2807802" y="2426403"/>
+            <a:ext cx="288032" cy="276999"/>
+          </a:xfrm>
+          <a:prstGeom prst="rect">
+            <a:avLst/>
+          </a:prstGeom>
+          <a:noFill/>
+        </p:spPr>
+        <p:txBody>
+          <a:bodyPr wrap="square" rtlCol="0">
+            <a:spAutoFit/>
+          </a:bodyPr>
+          <a:lstStyle/>
+          <a:p>
+            <a:r>
+              <a:rPr lang="en-US" altLang="ko-KR" sz="1200" dirty="0" smtClean="0"/>
+              <a:t>1</a:t>
+            </a:r>
+            <a:endParaRPr lang="ko-KR" altLang="en-US" sz="1200" dirty="0"/>
+          </a:p>
+        </p:txBody>
+      </p:sp>
+      <p:sp>
+        <p:nvSpPr>
+          <p:cNvPr id="15" name="TextBox 14"/>
+          <p:cNvSpPr txBox="1"/>
+          <p:nvPr/>
+        </p:nvSpPr>
+        <p:spPr>
+          <a:xfrm>
+            <a:off x="3258574" y="3578585"/>
+            <a:ext cx="288032" cy="276999"/>
+          </a:xfrm>
+          <a:prstGeom prst="rect">
+            <a:avLst/>
+          </a:prstGeom>
+          <a:noFill/>
+        </p:spPr>
+        <p:txBody>
+          <a:bodyPr wrap="square" rtlCol="0">
+            <a:spAutoFit/>
+          </a:bodyPr>
+          <a:lstStyle/>
+          <a:p>
+            <a:r>
+              <a:rPr lang="en-US" altLang="ko-KR" sz="1200" dirty="0" smtClean="0"/>
+              <a:t>1</a:t>
+            </a:r>
+            <a:endParaRPr lang="ko-KR" altLang="en-US" sz="1200" dirty="0"/>
+          </a:p>
+        </p:txBody>
+      </p:sp>
+      <p:graphicFrame>
+        <p:nvGraphicFramePr>
+          <p:cNvPr id="19" name="표 18"/>
+          <p:cNvGraphicFramePr>
+            <a:graphicFrameLocks noGrp="1"/>
+          </p:cNvGraphicFramePr>
+          <p:nvPr>
+            <p:extLst>
+              <p:ext uri="{D42A27DB-BD31-4B8C-83A1-F6EECF244321}">
+                <p14:modId xmlns:p14="http://schemas.microsoft.com/office/powerpoint/2010/main" val="1681549153"/>
+              </p:ext>
+            </p:extLst>
+          </p:nvPr>
+        </p:nvGraphicFramePr>
+        <p:xfrm>
+          <a:off x="6264186" y="2030413"/>
+          <a:ext cx="1440160" cy="1368152"/>
+        </p:xfrm>
+        <a:graphic>
+          <a:graphicData uri="http://schemas.openxmlformats.org/drawingml/2006/table">
+            <a:tbl>
+              <a:tblPr firstRow="1" bandRow="1">
+                <a:tableStyleId>{69012ECD-51FC-41F1-AA8D-1B2483CD663E}</a:tableStyleId>
+              </a:tblPr>
+              <a:tblGrid>
+                <a:gridCol w="1440160"/>
+              </a:tblGrid>
+              <a:tr h="216024">
+                <a:tc>
+                  <a:txBody>
+                    <a:bodyPr/>
+                    <a:lstStyle/>
+                    <a:p>
+                      <a:pPr algn="ctr" latinLnBrk="1"/>
+                      <a:r>
+                        <a:rPr lang="en-US" altLang="ko-KR" sz="1200" dirty="0" smtClean="0"/>
+                        <a:t>ASSETS</a:t>
+                      </a:r>
+                      <a:endParaRPr lang="ko-KR" altLang="en-US" sz="1200" dirty="0"/>
+                    </a:p>
+                  </a:txBody>
+                  <a:tcPr/>
+                </a:tc>
+              </a:tr>
+              <a:tr h="229736">
+                <a:tc>
+                  <a:txBody>
+                    <a:bodyPr/>
+                    <a:lstStyle/>
+                    <a:p>
+                      <a:pPr algn="just" latinLnBrk="1">
+                        <a:lnSpc>
+                          <a:spcPct val="115000"/>
+                        </a:lnSpc>
+                        <a:spcAft>
+                          <a:spcPts val="0"/>
+                        </a:spcAft>
+                      </a:pPr>
+                      <a:r>
+                        <a:rPr lang="en-US" altLang="ko-KR" sz="1000" kern="100" dirty="0" smtClean="0">
+                          <a:effectLst/>
+                          <a:latin typeface="맑은 고딕"/>
+                          <a:ea typeface="맑은 고딕"/>
+                          <a:cs typeface="Times New Roman"/>
+                        </a:rPr>
+                        <a:t>TYPE</a:t>
+                      </a:r>
+                      <a:endParaRPr lang="ko-KR" sz="1000" kern="100" dirty="0">
+                        <a:effectLst/>
+                        <a:latin typeface="맑은 고딕"/>
+                        <a:ea typeface="맑은 고딕"/>
+                        <a:cs typeface="Times New Roman"/>
+                      </a:endParaRPr>
+                    </a:p>
+                  </a:txBody>
+                  <a:tcPr marL="68580" marR="68580" marT="0" marB="0">
+                    <a:solidFill>
+                      <a:schemeClr val="bg1"/>
+                    </a:solidFill>
+                  </a:tcPr>
+                </a:tc>
+              </a:tr>
+              <a:tr h="216024">
+                <a:tc>
+                  <a:txBody>
+                    <a:bodyPr/>
+                    <a:lstStyle/>
+                    <a:p>
+                      <a:pPr algn="just" latinLnBrk="1">
+                        <a:lnSpc>
+                          <a:spcPct val="115000"/>
+                        </a:lnSpc>
+                        <a:spcAft>
+                          <a:spcPts val="0"/>
+                        </a:spcAft>
+                      </a:pPr>
+                      <a:r>
+                        <a:rPr lang="en-US" altLang="ko-KR" sz="1000" kern="100" baseline="0" dirty="0" smtClean="0">
+                          <a:effectLst/>
+                          <a:latin typeface="+mn-lt"/>
+                          <a:ea typeface="+mn-ea"/>
+                          <a:cs typeface="+mn-cs"/>
+                        </a:rPr>
+                        <a:t>NAME</a:t>
+                      </a:r>
+                      <a:endParaRPr lang="ko-KR" sz="1000" kern="100" dirty="0">
+                        <a:effectLst/>
+                        <a:latin typeface="맑은 고딕"/>
+                        <a:ea typeface="맑은 고딕"/>
+                        <a:cs typeface="Times New Roman"/>
+                      </a:endParaRPr>
+                    </a:p>
+                  </a:txBody>
+                  <a:tcPr marL="68580" marR="68580" marT="0" marB="0">
+                    <a:solidFill>
+                      <a:srgbClr val="FFC000"/>
+                    </a:solidFill>
+                  </a:tcPr>
+                </a:tc>
+              </a:tr>
+              <a:tr h="216024">
+                <a:tc>
+                  <a:txBody>
+                    <a:bodyPr/>
+                    <a:lstStyle/>
+                    <a:p>
+                      <a:pPr algn="just" latinLnBrk="1">
+                        <a:lnSpc>
+                          <a:spcPct val="115000"/>
+                        </a:lnSpc>
+                        <a:spcAft>
+                          <a:spcPts val="0"/>
+                        </a:spcAft>
+                      </a:pPr>
+                      <a:r>
+                        <a:rPr lang="en-US" altLang="ko-KR" sz="1000" kern="100" dirty="0" smtClean="0">
+                          <a:effectLst/>
+                          <a:latin typeface="맑은 고딕"/>
+                          <a:ea typeface="맑은 고딕"/>
+                          <a:cs typeface="Times New Roman"/>
+                        </a:rPr>
+                        <a:t>BALANCE</a:t>
+                      </a:r>
+                      <a:endParaRPr lang="ko-KR" sz="1000" kern="100" dirty="0">
+                        <a:effectLst/>
+                        <a:latin typeface="맑은 고딕"/>
+                        <a:ea typeface="맑은 고딕"/>
+                        <a:cs typeface="Times New Roman"/>
+                      </a:endParaRPr>
+                    </a:p>
+                  </a:txBody>
+                  <a:tcPr marL="68580" marR="68580" marT="0" marB="0">
+                    <a:solidFill>
+                      <a:schemeClr val="bg1"/>
+                    </a:solidFill>
+                  </a:tcPr>
+                </a:tc>
+              </a:tr>
+              <a:tr h="216024">
+                <a:tc>
+                  <a:txBody>
+                    <a:bodyPr/>
+                    <a:lstStyle/>
+                    <a:p>
+                      <a:pPr algn="just" latinLnBrk="1">
+                        <a:lnSpc>
+                          <a:spcPct val="115000"/>
+                        </a:lnSpc>
+                        <a:spcAft>
+                          <a:spcPts val="0"/>
+                        </a:spcAft>
+                      </a:pPr>
+                      <a:r>
+                        <a:rPr lang="en-US" altLang="ko-KR" sz="1000" kern="100" dirty="0" smtClean="0">
+                          <a:effectLst/>
+                          <a:latin typeface="맑은 고딕"/>
+                          <a:ea typeface="맑은 고딕"/>
+                          <a:cs typeface="Times New Roman"/>
+                        </a:rPr>
+                        <a:t>INTEREST</a:t>
+                      </a:r>
+                      <a:endParaRPr lang="ko-KR" sz="1000" kern="100" dirty="0">
+                        <a:effectLst/>
+                        <a:latin typeface="맑은 고딕"/>
+                        <a:ea typeface="맑은 고딕"/>
+                        <a:cs typeface="Times New Roman"/>
+                      </a:endParaRPr>
+                    </a:p>
+                  </a:txBody>
+                  <a:tcPr marL="68580" marR="68580" marT="0" marB="0">
+                    <a:solidFill>
+                      <a:schemeClr val="bg1"/>
+                    </a:solidFill>
+                  </a:tcPr>
+                </a:tc>
+              </a:tr>
+              <a:tr h="216024">
+                <a:tc>
+                  <a:txBody>
+                    <a:bodyPr/>
+                    <a:lstStyle/>
+                    <a:p>
+                      <a:pPr marL="0" marR="0" indent="0" algn="just" defTabSz="914400" rtl="0" eaLnBrk="1" fontAlgn="auto" latinLnBrk="1" hangingPunct="1">
+                        <a:lnSpc>
+                          <a:spcPct val="115000"/>
+                        </a:lnSpc>
+                        <a:spcBef>
+                          <a:spcPts val="0"/>
+                        </a:spcBef>
+                        <a:spcAft>
+                          <a:spcPts val="0"/>
+                        </a:spcAft>
+                        <a:buClrTx/>
+                        <a:buSzTx/>
+                        <a:buFontTx/>
+                        <a:buNone/>
+                        <a:tabLst/>
+                        <a:defRPr/>
+                      </a:pPr>
+                      <a:r>
+                        <a:rPr lang="en-US" altLang="ko-KR" sz="1000" kern="100" dirty="0" smtClean="0">
+                          <a:solidFill>
+                            <a:srgbClr val="000000"/>
+                          </a:solidFill>
+                          <a:cs typeface="Times New Roman"/>
+                        </a:rPr>
+                        <a:t>ACCOUNTNO</a:t>
+                      </a:r>
+                      <a:endParaRPr lang="ko-KR" altLang="ko-KR" sz="1000" kern="100" dirty="0">
+                        <a:effectLst/>
+                        <a:latin typeface="+mn-lt"/>
+                        <a:ea typeface="+mn-ea"/>
+                        <a:cs typeface="Times New Roman"/>
+                      </a:endParaRPr>
+                    </a:p>
+                  </a:txBody>
+                  <a:tcPr marL="68580" marR="68580" marT="0" marB="0">
+                    <a:solidFill>
+                      <a:schemeClr val="bg1"/>
+                    </a:solidFill>
+                  </a:tcPr>
+                </a:tc>
+              </a:tr>
+            </a:tbl>
+          </a:graphicData>
+        </a:graphic>
+      </p:graphicFrame>
+      <p:cxnSp>
+        <p:nvCxnSpPr>
+          <p:cNvPr id="20" name="꺾인 연결선 19"/>
+          <p:cNvCxnSpPr/>
+          <p:nvPr/>
+        </p:nvCxnSpPr>
+        <p:spPr>
+          <a:xfrm flipV="1">
+            <a:off x="5040050" y="2426403"/>
+            <a:ext cx="1224136" cy="1007909"/>
+          </a:xfrm>
+          <a:prstGeom prst="bentConnector3">
+            <a:avLst>
+              <a:gd name="adj1" fmla="val 50000"/>
+            </a:avLst>
+          </a:prstGeom>
+          <a:ln w="28575">
+            <a:solidFill>
+              <a:srgbClr val="FF0000"/>
+            </a:solidFill>
+          </a:ln>
+        </p:spPr>
+        <p:style>
+          <a:lnRef idx="1">
+            <a:schemeClr val="accent1"/>
+          </a:lnRef>
+          <a:fillRef idx="0">
+            <a:schemeClr val="accent1"/>
+          </a:fillRef>
+          <a:effectRef idx="0">
+            <a:schemeClr val="accent1"/>
+          </a:effectRef>
+          <a:fontRef idx="minor">
+            <a:schemeClr val="tx1"/>
+          </a:fontRef>
+        </p:style>
+      </p:cxnSp>
+      <p:sp>
+        <p:nvSpPr>
+          <p:cNvPr id="22" name="TextBox 21"/>
+          <p:cNvSpPr txBox="1"/>
+          <p:nvPr/>
+        </p:nvSpPr>
+        <p:spPr>
+          <a:xfrm>
+            <a:off x="5930684" y="2149403"/>
+            <a:ext cx="288032" cy="276999"/>
+          </a:xfrm>
+          <a:prstGeom prst="rect">
+            <a:avLst/>
+          </a:prstGeom>
+          <a:noFill/>
+        </p:spPr>
+        <p:txBody>
+          <a:bodyPr wrap="square" rtlCol="0">
+            <a:spAutoFit/>
+          </a:bodyPr>
+          <a:lstStyle/>
+          <a:p>
+            <a:r>
+              <a:rPr lang="en-US" altLang="ko-KR" sz="1200" dirty="0" smtClean="0"/>
+              <a:t>1</a:t>
+            </a:r>
+            <a:endParaRPr lang="ko-KR" altLang="en-US" sz="1200" dirty="0"/>
+          </a:p>
+        </p:txBody>
+      </p:sp>
+      <p:sp>
+        <p:nvSpPr>
+          <p:cNvPr id="23" name="TextBox 22"/>
+          <p:cNvSpPr txBox="1"/>
+          <p:nvPr/>
+        </p:nvSpPr>
+        <p:spPr>
+          <a:xfrm>
+            <a:off x="5046171" y="3025499"/>
+            <a:ext cx="288032" cy="276999"/>
+          </a:xfrm>
+          <a:prstGeom prst="rect">
+            <a:avLst/>
+          </a:prstGeom>
+          <a:noFill/>
+        </p:spPr>
+        <p:txBody>
+          <a:bodyPr wrap="square" rtlCol="0">
+            <a:spAutoFit/>
+          </a:bodyPr>
+          <a:lstStyle/>
+          <a:p>
+            <a:r>
+              <a:rPr lang="en-US" altLang="ko-KR" sz="1200" dirty="0" smtClean="0"/>
+              <a:t>N</a:t>
+            </a:r>
+            <a:endParaRPr lang="ko-KR" altLang="en-US" sz="1200" dirty="0"/>
+          </a:p>
+        </p:txBody>
+      </p:sp>
+      <p:cxnSp>
+        <p:nvCxnSpPr>
+          <p:cNvPr id="24" name="직선 연결선 23"/>
+          <p:cNvCxnSpPr/>
+          <p:nvPr/>
+        </p:nvCxnSpPr>
+        <p:spPr>
+          <a:xfrm>
+            <a:off x="5040050" y="3305366"/>
+            <a:ext cx="216024" cy="135632"/>
+          </a:xfrm>
+          <a:prstGeom prst="line">
+            <a:avLst/>
+          </a:prstGeom>
+          <a:ln w="28575">
+            <a:solidFill>
+              <a:srgbClr val="FF0000"/>
+            </a:solidFill>
+          </a:ln>
+        </p:spPr>
+        <p:style>
+          <a:lnRef idx="1">
+            <a:schemeClr val="accent2"/>
+          </a:lnRef>
+          <a:fillRef idx="0">
+            <a:schemeClr val="accent2"/>
+          </a:fillRef>
+          <a:effectRef idx="0">
+            <a:schemeClr val="accent2"/>
+          </a:effectRef>
+          <a:fontRef idx="minor">
+            <a:schemeClr val="tx1"/>
+          </a:fontRef>
+        </p:style>
+      </p:cxnSp>
+      <p:cxnSp>
+        <p:nvCxnSpPr>
+          <p:cNvPr id="25" name="직선 연결선 24"/>
+          <p:cNvCxnSpPr/>
+          <p:nvPr/>
+        </p:nvCxnSpPr>
+        <p:spPr>
+          <a:xfrm flipV="1">
+            <a:off x="5040050" y="3457246"/>
+            <a:ext cx="216024" cy="144016"/>
+          </a:xfrm>
+          <a:prstGeom prst="line">
+            <a:avLst/>
+          </a:prstGeom>
+          <a:ln w="28575">
+            <a:solidFill>
+              <a:srgbClr val="FF0000"/>
+            </a:solidFill>
+          </a:ln>
+        </p:spPr>
+        <p:style>
+          <a:lnRef idx="1">
+            <a:schemeClr val="accent2"/>
+          </a:lnRef>
+          <a:fillRef idx="0">
+            <a:schemeClr val="accent2"/>
+          </a:fillRef>
+          <a:effectRef idx="0">
+            <a:schemeClr val="accent2"/>
+          </a:effectRef>
+          <a:fontRef idx="minor">
+            <a:schemeClr val="tx1"/>
+          </a:fontRef>
+        </p:style>
+      </p:cxnSp>
+      <p:cxnSp>
+        <p:nvCxnSpPr>
+          <p:cNvPr id="29" name="꺾인 연결선 28"/>
+          <p:cNvCxnSpPr/>
+          <p:nvPr/>
+        </p:nvCxnSpPr>
+        <p:spPr>
+          <a:xfrm flipV="1">
+            <a:off x="4175954" y="2578804"/>
+            <a:ext cx="2088232" cy="1719808"/>
+          </a:xfrm>
+          <a:prstGeom prst="bentConnector3">
+            <a:avLst>
+              <a:gd name="adj1" fmla="val 80104"/>
+            </a:avLst>
+          </a:prstGeom>
+          <a:ln w="28575">
+            <a:solidFill>
+              <a:srgbClr val="FF0000"/>
+            </a:solidFill>
+          </a:ln>
+        </p:spPr>
+        <p:style>
+          <a:lnRef idx="1">
+            <a:schemeClr val="accent1"/>
+          </a:lnRef>
+          <a:fillRef idx="0">
+            <a:schemeClr val="accent1"/>
+          </a:fillRef>
+          <a:effectRef idx="0">
+            <a:schemeClr val="accent1"/>
+          </a:effectRef>
+          <a:fontRef idx="minor">
+            <a:schemeClr val="tx1"/>
+          </a:fontRef>
+        </p:style>
+      </p:cxnSp>
+      <p:sp>
+        <p:nvSpPr>
+          <p:cNvPr id="34" name="TextBox 33"/>
+          <p:cNvSpPr txBox="1"/>
+          <p:nvPr/>
+        </p:nvSpPr>
+        <p:spPr>
+          <a:xfrm>
+            <a:off x="4181722" y="3866865"/>
+            <a:ext cx="288032" cy="276999"/>
+          </a:xfrm>
+          <a:prstGeom prst="rect">
+            <a:avLst/>
+          </a:prstGeom>
+          <a:noFill/>
+        </p:spPr>
+        <p:txBody>
+          <a:bodyPr wrap="square" rtlCol="0">
+            <a:spAutoFit/>
+          </a:bodyPr>
+          <a:lstStyle/>
+          <a:p>
+            <a:r>
+              <a:rPr lang="en-US" altLang="ko-KR" sz="1200" dirty="0" smtClean="0"/>
+              <a:t>N</a:t>
+            </a:r>
+            <a:endParaRPr lang="ko-KR" altLang="en-US" sz="1200" dirty="0"/>
+          </a:p>
+        </p:txBody>
+      </p:sp>
+      <p:cxnSp>
+        <p:nvCxnSpPr>
+          <p:cNvPr id="35" name="직선 연결선 34"/>
+          <p:cNvCxnSpPr/>
+          <p:nvPr/>
+        </p:nvCxnSpPr>
+        <p:spPr>
+          <a:xfrm>
+            <a:off x="4175601" y="4146732"/>
+            <a:ext cx="216024" cy="135632"/>
+          </a:xfrm>
+          <a:prstGeom prst="line">
+            <a:avLst/>
+          </a:prstGeom>
+          <a:ln w="28575">
+            <a:solidFill>
+              <a:srgbClr val="FF0000"/>
+            </a:solidFill>
+          </a:ln>
+        </p:spPr>
+        <p:style>
+          <a:lnRef idx="1">
+            <a:schemeClr val="accent2"/>
+          </a:lnRef>
+          <a:fillRef idx="0">
+            <a:schemeClr val="accent2"/>
+          </a:fillRef>
+          <a:effectRef idx="0">
+            <a:schemeClr val="accent2"/>
+          </a:effectRef>
+          <a:fontRef idx="minor">
+            <a:schemeClr val="tx1"/>
+          </a:fontRef>
+        </p:style>
+      </p:cxnSp>
+      <p:cxnSp>
+        <p:nvCxnSpPr>
+          <p:cNvPr id="36" name="직선 연결선 35"/>
+          <p:cNvCxnSpPr/>
+          <p:nvPr/>
+        </p:nvCxnSpPr>
+        <p:spPr>
+          <a:xfrm flipV="1">
+            <a:off x="4175601" y="4298612"/>
+            <a:ext cx="216024" cy="144016"/>
+          </a:xfrm>
+          <a:prstGeom prst="line">
+            <a:avLst/>
+          </a:prstGeom>
+          <a:ln w="28575">
+            <a:solidFill>
+              <a:srgbClr val="FF0000"/>
+            </a:solidFill>
+          </a:ln>
+        </p:spPr>
+        <p:style>
+          <a:lnRef idx="1">
+            <a:schemeClr val="accent2"/>
+          </a:lnRef>
+          <a:fillRef idx="0">
+            <a:schemeClr val="accent2"/>
+          </a:fillRef>
+          <a:effectRef idx="0">
+            <a:schemeClr val="accent2"/>
+          </a:effectRef>
+          <a:fontRef idx="minor">
+            <a:schemeClr val="tx1"/>
+          </a:fontRef>
+        </p:style>
+      </p:cxnSp>
+    </p:spTree>
+    <p:extLst>
+      <p:ext uri="{BB962C8B-B14F-4D97-AF65-F5344CB8AC3E}">
+        <p14:creationId xmlns:p14="http://schemas.microsoft.com/office/powerpoint/2010/main" val="1026706713"/>
       </p:ext>
     </p:extLst>
   </p:cSld>
